--- a/intro.pptx
+++ b/intro.pptx
@@ -7,8 +7,10 @@
   <p:sldIdLst>
     <p:sldId id="256" r:id="rId2"/>
     <p:sldId id="257" r:id="rId3"/>
-    <p:sldId id="259" r:id="rId4"/>
-    <p:sldId id="260" r:id="rId5"/>
+    <p:sldId id="260" r:id="rId4"/>
+    <p:sldId id="259" r:id="rId5"/>
+    <p:sldId id="262" r:id="rId6"/>
+    <p:sldId id="261" r:id="rId7"/>
   </p:sldIdLst>
   <p:sldSz cx="12192000" cy="6858000"/>
   <p:notesSz cx="6858000" cy="9144000"/>
@@ -107,6 +109,11 @@
       </a:defRPr>
     </a:lvl9pPr>
   </p:defaultTextStyle>
+  <p:extLst>
+    <p:ext uri="{EFAFB233-063F-42B5-8137-9DF3F51BA10A}">
+      <p15:sldGuideLst xmlns:p15="http://schemas.microsoft.com/office/powerpoint/2012/main"/>
+    </p:ext>
+  </p:extLst>
 </p:presentation>
 </file>
 
@@ -257,7 +264,7 @@
           <a:p>
             <a:fld id="{63BA994C-5086-7442-AE9C-9E2039DF7B00}" type="datetimeFigureOut">
               <a:rPr lang="es-MX" smtClean="0"/>
-              <a:t>18/01/20</a:t>
+              <a:t>20/01/20</a:t>
             </a:fld>
             <a:endParaRPr lang="es-MX"/>
           </a:p>
@@ -455,7 +462,7 @@
           <a:p>
             <a:fld id="{63BA994C-5086-7442-AE9C-9E2039DF7B00}" type="datetimeFigureOut">
               <a:rPr lang="es-MX" smtClean="0"/>
-              <a:t>18/01/20</a:t>
+              <a:t>20/01/20</a:t>
             </a:fld>
             <a:endParaRPr lang="es-MX"/>
           </a:p>
@@ -663,7 +670,7 @@
           <a:p>
             <a:fld id="{63BA994C-5086-7442-AE9C-9E2039DF7B00}" type="datetimeFigureOut">
               <a:rPr lang="es-MX" smtClean="0"/>
-              <a:t>18/01/20</a:t>
+              <a:t>20/01/20</a:t>
             </a:fld>
             <a:endParaRPr lang="es-MX"/>
           </a:p>
@@ -861,7 +868,7 @@
           <a:p>
             <a:fld id="{63BA994C-5086-7442-AE9C-9E2039DF7B00}" type="datetimeFigureOut">
               <a:rPr lang="es-MX" smtClean="0"/>
-              <a:t>18/01/20</a:t>
+              <a:t>20/01/20</a:t>
             </a:fld>
             <a:endParaRPr lang="es-MX"/>
           </a:p>
@@ -1136,7 +1143,7 @@
           <a:p>
             <a:fld id="{63BA994C-5086-7442-AE9C-9E2039DF7B00}" type="datetimeFigureOut">
               <a:rPr lang="es-MX" smtClean="0"/>
-              <a:t>18/01/20</a:t>
+              <a:t>20/01/20</a:t>
             </a:fld>
             <a:endParaRPr lang="es-MX"/>
           </a:p>
@@ -1401,7 +1408,7 @@
           <a:p>
             <a:fld id="{63BA994C-5086-7442-AE9C-9E2039DF7B00}" type="datetimeFigureOut">
               <a:rPr lang="es-MX" smtClean="0"/>
-              <a:t>18/01/20</a:t>
+              <a:t>20/01/20</a:t>
             </a:fld>
             <a:endParaRPr lang="es-MX"/>
           </a:p>
@@ -1813,7 +1820,7 @@
           <a:p>
             <a:fld id="{63BA994C-5086-7442-AE9C-9E2039DF7B00}" type="datetimeFigureOut">
               <a:rPr lang="es-MX" smtClean="0"/>
-              <a:t>18/01/20</a:t>
+              <a:t>20/01/20</a:t>
             </a:fld>
             <a:endParaRPr lang="es-MX"/>
           </a:p>
@@ -1954,7 +1961,7 @@
           <a:p>
             <a:fld id="{63BA994C-5086-7442-AE9C-9E2039DF7B00}" type="datetimeFigureOut">
               <a:rPr lang="es-MX" smtClean="0"/>
-              <a:t>18/01/20</a:t>
+              <a:t>20/01/20</a:t>
             </a:fld>
             <a:endParaRPr lang="es-MX"/>
           </a:p>
@@ -2067,7 +2074,7 @@
           <a:p>
             <a:fld id="{63BA994C-5086-7442-AE9C-9E2039DF7B00}" type="datetimeFigureOut">
               <a:rPr lang="es-MX" smtClean="0"/>
-              <a:t>18/01/20</a:t>
+              <a:t>20/01/20</a:t>
             </a:fld>
             <a:endParaRPr lang="es-MX"/>
           </a:p>
@@ -2378,7 +2385,7 @@
           <a:p>
             <a:fld id="{63BA994C-5086-7442-AE9C-9E2039DF7B00}" type="datetimeFigureOut">
               <a:rPr lang="es-MX" smtClean="0"/>
-              <a:t>18/01/20</a:t>
+              <a:t>20/01/20</a:t>
             </a:fld>
             <a:endParaRPr lang="es-MX"/>
           </a:p>
@@ -2666,7 +2673,7 @@
           <a:p>
             <a:fld id="{63BA994C-5086-7442-AE9C-9E2039DF7B00}" type="datetimeFigureOut">
               <a:rPr lang="es-MX" smtClean="0"/>
-              <a:t>18/01/20</a:t>
+              <a:t>20/01/20</a:t>
             </a:fld>
             <a:endParaRPr lang="es-MX"/>
           </a:p>
@@ -2907,7 +2914,7 @@
           <a:p>
             <a:fld id="{63BA994C-5086-7442-AE9C-9E2039DF7B00}" type="datetimeFigureOut">
               <a:rPr lang="es-MX" smtClean="0"/>
-              <a:t>18/01/20</a:t>
+              <a:t>20/01/20</a:t>
             </a:fld>
             <a:endParaRPr lang="es-MX"/>
           </a:p>
@@ -4475,6 +4482,525 @@
       </p:grpSpPr>
       <p:sp>
         <p:nvSpPr>
+          <p:cNvPr id="7" name="Down Arrow 7">
+            <a:extLst>
+              <a:ext uri="{FF2B5EF4-FFF2-40B4-BE49-F238E27FC236}">
+                <a16:creationId xmlns:a16="http://schemas.microsoft.com/office/drawing/2014/main" id="{B547373F-AF2E-4907-B442-9F902B387FD0}"/>
+              </a:ext>
+              <a:ext uri="{C183D7F6-B498-43B3-948B-1728B52AA6E4}">
+                <adec:decorative xmlns:adec="http://schemas.microsoft.com/office/drawing/2017/decorative" val="1"/>
+              </a:ext>
+            </a:extLst>
+          </p:cNvPr>
+          <p:cNvSpPr>
+            <a:spLocks noGrp="1" noRot="1" noChangeAspect="1" noMove="1" noResize="1" noEditPoints="1" noAdjustHandles="1" noChangeArrowheads="1" noChangeShapeType="1" noTextEdit="1"/>
+          </p:cNvSpPr>
+          <p:nvPr>
+            <p:extLst>
+              <p:ext uri="{386F3935-93C4-4BCD-93E2-E3B085C9AB24}">
+                <p16:designElem xmlns:p16="http://schemas.microsoft.com/office/powerpoint/2015/main" val="1"/>
+              </p:ext>
+            </p:extLst>
+          </p:nvPr>
+        </p:nvSpPr>
+        <p:spPr>
+          <a:xfrm>
+            <a:off x="800100" y="-4763"/>
+            <a:ext cx="3333749" cy="3338514"/>
+          </a:xfrm>
+          <a:prstGeom prst="downArrow">
+            <a:avLst>
+              <a:gd name="adj1" fmla="val 100000"/>
+              <a:gd name="adj2" fmla="val 26890"/>
+            </a:avLst>
+          </a:prstGeom>
+          <a:solidFill>
+            <a:schemeClr val="tx1">
+              <a:lumMod val="85000"/>
+              <a:lumOff val="15000"/>
+            </a:schemeClr>
+          </a:solidFill>
+          <a:ln w="53975">
+            <a:noFill/>
+          </a:ln>
+        </p:spPr>
+        <p:style>
+          <a:lnRef idx="2">
+            <a:schemeClr val="accent1">
+              <a:shade val="50000"/>
+            </a:schemeClr>
+          </a:lnRef>
+          <a:fillRef idx="1">
+            <a:schemeClr val="accent1"/>
+          </a:fillRef>
+          <a:effectRef idx="0">
+            <a:schemeClr val="accent1"/>
+          </a:effectRef>
+          <a:fontRef idx="minor">
+            <a:schemeClr val="lt1"/>
+          </a:fontRef>
+        </p:style>
+        <p:txBody>
+          <a:bodyPr rtlCol="0" anchor="ctr"/>
+          <a:lstStyle/>
+          <a:p>
+            <a:pPr algn="ctr"/>
+            <a:endParaRPr lang="en-US"/>
+          </a:p>
+        </p:txBody>
+      </p:sp>
+      <p:sp>
+        <p:nvSpPr>
+          <p:cNvPr id="2" name="Título 1">
+            <a:extLst>
+              <a:ext uri="{FF2B5EF4-FFF2-40B4-BE49-F238E27FC236}">
+                <a16:creationId xmlns:a16="http://schemas.microsoft.com/office/drawing/2014/main" id="{86966E71-3564-814F-B8D0-B64408986D59}"/>
+              </a:ext>
+            </a:extLst>
+          </p:cNvPr>
+          <p:cNvSpPr>
+            <a:spLocks noGrp="1"/>
+          </p:cNvSpPr>
+          <p:nvPr>
+            <p:ph type="title"/>
+          </p:nvPr>
+        </p:nvSpPr>
+        <p:spPr>
+          <a:xfrm>
+            <a:off x="1028700" y="190501"/>
+            <a:ext cx="2886075" cy="2486024"/>
+          </a:xfrm>
+          <a:noFill/>
+        </p:spPr>
+        <p:txBody>
+          <a:bodyPr vert="horz" lIns="91440" tIns="45720" rIns="91440" bIns="45720" rtlCol="0" anchor="ctr">
+            <a:normAutofit/>
+          </a:bodyPr>
+          <a:lstStyle/>
+          <a:p>
+            <a:pPr algn="ctr"/>
+            <a:r>
+              <a:rPr lang="en-US" sz="3600">
+                <a:solidFill>
+                  <a:schemeClr val="bg1"/>
+                </a:solidFill>
+              </a:rPr>
+              <a:t>¿Quién lo usa?</a:t>
+            </a:r>
+          </a:p>
+        </p:txBody>
+      </p:sp>
+      <p:pic>
+        <p:nvPicPr>
+          <p:cNvPr id="5" name="Imagen 4">
+            <a:extLst>
+              <a:ext uri="{FF2B5EF4-FFF2-40B4-BE49-F238E27FC236}">
+                <a16:creationId xmlns:a16="http://schemas.microsoft.com/office/drawing/2014/main" id="{98A8E941-EDC2-6142-AE70-6A93197DC73D}"/>
+              </a:ext>
+            </a:extLst>
+          </p:cNvPr>
+          <p:cNvPicPr>
+            <a:picLocks noChangeAspect="1"/>
+          </p:cNvPicPr>
+          <p:nvPr/>
+        </p:nvPicPr>
+        <p:blipFill>
+          <a:blip r:embed="rId2"/>
+          <a:stretch>
+            <a:fillRect/>
+          </a:stretch>
+        </p:blipFill>
+        <p:spPr>
+          <a:xfrm>
+            <a:off x="1597024" y="3696230"/>
+            <a:ext cx="1742378" cy="1270000"/>
+          </a:xfrm>
+          <a:prstGeom prst="rect">
+            <a:avLst/>
+          </a:prstGeom>
+        </p:spPr>
+      </p:pic>
+      <p:pic>
+        <p:nvPicPr>
+          <p:cNvPr id="8" name="Imagen 7">
+            <a:extLst>
+              <a:ext uri="{FF2B5EF4-FFF2-40B4-BE49-F238E27FC236}">
+                <a16:creationId xmlns:a16="http://schemas.microsoft.com/office/drawing/2014/main" id="{006D1BB7-39A3-584D-B7FD-351CE24C41BA}"/>
+              </a:ext>
+            </a:extLst>
+          </p:cNvPr>
+          <p:cNvPicPr>
+            <a:picLocks noChangeAspect="1"/>
+          </p:cNvPicPr>
+          <p:nvPr/>
+        </p:nvPicPr>
+        <p:blipFill>
+          <a:blip r:embed="rId3"/>
+          <a:stretch>
+            <a:fillRect/>
+          </a:stretch>
+        </p:blipFill>
+        <p:spPr>
+          <a:xfrm>
+            <a:off x="1069493" y="5558366"/>
+            <a:ext cx="2794961" cy="740833"/>
+          </a:xfrm>
+          <a:prstGeom prst="rect">
+            <a:avLst/>
+          </a:prstGeom>
+        </p:spPr>
+      </p:pic>
+      <p:pic>
+        <p:nvPicPr>
+          <p:cNvPr id="10" name="Imagen 9">
+            <a:extLst>
+              <a:ext uri="{FF2B5EF4-FFF2-40B4-BE49-F238E27FC236}">
+                <a16:creationId xmlns:a16="http://schemas.microsoft.com/office/drawing/2014/main" id="{D42FB1E1-EF1E-D74E-B5F6-DF979CC6322A}"/>
+              </a:ext>
+            </a:extLst>
+          </p:cNvPr>
+          <p:cNvPicPr>
+            <a:picLocks noChangeAspect="1"/>
+          </p:cNvPicPr>
+          <p:nvPr/>
+        </p:nvPicPr>
+        <p:blipFill rotWithShape="1">
+          <a:blip r:embed="rId4"/>
+          <a:srcRect t="15894" b="21617"/>
+          <a:stretch/>
+        </p:blipFill>
+        <p:spPr>
+          <a:xfrm>
+            <a:off x="4222750" y="4995334"/>
+            <a:ext cx="3746500" cy="1710266"/>
+          </a:xfrm>
+          <a:prstGeom prst="rect">
+            <a:avLst/>
+          </a:prstGeom>
+        </p:spPr>
+      </p:pic>
+      <p:pic>
+        <p:nvPicPr>
+          <p:cNvPr id="12" name="Imagen 11">
+            <a:extLst>
+              <a:ext uri="{FF2B5EF4-FFF2-40B4-BE49-F238E27FC236}">
+                <a16:creationId xmlns:a16="http://schemas.microsoft.com/office/drawing/2014/main" id="{C10F985D-CF96-DE47-89FF-7A7470A8C276}"/>
+              </a:ext>
+            </a:extLst>
+          </p:cNvPr>
+          <p:cNvPicPr>
+            <a:picLocks noChangeAspect="1"/>
+          </p:cNvPicPr>
+          <p:nvPr/>
+        </p:nvPicPr>
+        <p:blipFill>
+          <a:blip r:embed="rId5"/>
+          <a:stretch>
+            <a:fillRect/>
+          </a:stretch>
+        </p:blipFill>
+        <p:spPr>
+          <a:xfrm>
+            <a:off x="3732452" y="3530601"/>
+            <a:ext cx="1471083" cy="1471083"/>
+          </a:xfrm>
+          <a:prstGeom prst="rect">
+            <a:avLst/>
+          </a:prstGeom>
+        </p:spPr>
+      </p:pic>
+      <p:pic>
+        <p:nvPicPr>
+          <p:cNvPr id="14" name="Gráfico 13">
+            <a:extLst>
+              <a:ext uri="{FF2B5EF4-FFF2-40B4-BE49-F238E27FC236}">
+                <a16:creationId xmlns:a16="http://schemas.microsoft.com/office/drawing/2014/main" id="{C20E6826-D34D-FE42-9F9C-E28DFA451087}"/>
+              </a:ext>
+            </a:extLst>
+          </p:cNvPr>
+          <p:cNvPicPr>
+            <a:picLocks noChangeAspect="1"/>
+          </p:cNvPicPr>
+          <p:nvPr/>
+        </p:nvPicPr>
+        <p:blipFill>
+          <a:blip r:embed="rId6">
+            <a:extLst>
+              <a:ext uri="{96DAC541-7B7A-43D3-8B79-37D633B846F1}">
+                <asvg:svgBlip xmlns:asvg="http://schemas.microsoft.com/office/drawing/2016/SVG/main" r:embed="rId7"/>
+              </a:ext>
+            </a:extLst>
+          </a:blip>
+          <a:stretch>
+            <a:fillRect/>
+          </a:stretch>
+        </p:blipFill>
+        <p:spPr>
+          <a:xfrm>
+            <a:off x="5596585" y="3466043"/>
+            <a:ext cx="1471083" cy="1471083"/>
+          </a:xfrm>
+          <a:prstGeom prst="rect">
+            <a:avLst/>
+          </a:prstGeom>
+        </p:spPr>
+      </p:pic>
+      <p:pic>
+        <p:nvPicPr>
+          <p:cNvPr id="16" name="Gráfico 15">
+            <a:extLst>
+              <a:ext uri="{FF2B5EF4-FFF2-40B4-BE49-F238E27FC236}">
+                <a16:creationId xmlns:a16="http://schemas.microsoft.com/office/drawing/2014/main" id="{AAA4EBF2-669E-6A41-92A0-1557D8189317}"/>
+              </a:ext>
+            </a:extLst>
+          </p:cNvPr>
+          <p:cNvPicPr>
+            <a:picLocks noChangeAspect="1"/>
+          </p:cNvPicPr>
+          <p:nvPr/>
+        </p:nvPicPr>
+        <p:blipFill>
+          <a:blip r:embed="rId8">
+            <a:extLst>
+              <a:ext uri="{96DAC541-7B7A-43D3-8B79-37D633B846F1}">
+                <asvg:svgBlip xmlns:asvg="http://schemas.microsoft.com/office/drawing/2016/SVG/main" r:embed="rId9"/>
+              </a:ext>
+            </a:extLst>
+          </a:blip>
+          <a:stretch>
+            <a:fillRect/>
+          </a:stretch>
+        </p:blipFill>
+        <p:spPr>
+          <a:xfrm>
+            <a:off x="7818970" y="5431632"/>
+            <a:ext cx="3182525" cy="994834"/>
+          </a:xfrm>
+          <a:prstGeom prst="rect">
+            <a:avLst/>
+          </a:prstGeom>
+        </p:spPr>
+      </p:pic>
+      <p:pic>
+        <p:nvPicPr>
+          <p:cNvPr id="18" name="Imagen 17">
+            <a:extLst>
+              <a:ext uri="{FF2B5EF4-FFF2-40B4-BE49-F238E27FC236}">
+                <a16:creationId xmlns:a16="http://schemas.microsoft.com/office/drawing/2014/main" id="{D932C750-E9AC-D644-8D61-03F8A5A166F6}"/>
+              </a:ext>
+            </a:extLst>
+          </p:cNvPr>
+          <p:cNvPicPr>
+            <a:picLocks noChangeAspect="1"/>
+          </p:cNvPicPr>
+          <p:nvPr/>
+        </p:nvPicPr>
+        <p:blipFill>
+          <a:blip r:embed="rId10"/>
+          <a:stretch>
+            <a:fillRect/>
+          </a:stretch>
+        </p:blipFill>
+        <p:spPr>
+          <a:xfrm>
+            <a:off x="4362448" y="2264964"/>
+            <a:ext cx="2705219" cy="781977"/>
+          </a:xfrm>
+          <a:prstGeom prst="rect">
+            <a:avLst/>
+          </a:prstGeom>
+        </p:spPr>
+      </p:pic>
+      <p:pic>
+        <p:nvPicPr>
+          <p:cNvPr id="22" name="Imagen 21">
+            <a:extLst>
+              <a:ext uri="{FF2B5EF4-FFF2-40B4-BE49-F238E27FC236}">
+                <a16:creationId xmlns:a16="http://schemas.microsoft.com/office/drawing/2014/main" id="{548DACFE-FC8E-8E4B-A2EC-D63935081BB2}"/>
+              </a:ext>
+            </a:extLst>
+          </p:cNvPr>
+          <p:cNvPicPr>
+            <a:picLocks noChangeAspect="1"/>
+          </p:cNvPicPr>
+          <p:nvPr/>
+        </p:nvPicPr>
+        <p:blipFill>
+          <a:blip r:embed="rId11"/>
+          <a:stretch>
+            <a:fillRect/>
+          </a:stretch>
+        </p:blipFill>
+        <p:spPr>
+          <a:xfrm>
+            <a:off x="9251847" y="3495147"/>
+            <a:ext cx="1471083" cy="1471083"/>
+          </a:xfrm>
+          <a:prstGeom prst="rect">
+            <a:avLst/>
+          </a:prstGeom>
+        </p:spPr>
+      </p:pic>
+      <p:pic>
+        <p:nvPicPr>
+          <p:cNvPr id="24" name="Imagen 23">
+            <a:extLst>
+              <a:ext uri="{FF2B5EF4-FFF2-40B4-BE49-F238E27FC236}">
+                <a16:creationId xmlns:a16="http://schemas.microsoft.com/office/drawing/2014/main" id="{C3FAC8D1-1CDF-0447-900A-DED5213AB26E}"/>
+              </a:ext>
+            </a:extLst>
+          </p:cNvPr>
+          <p:cNvPicPr>
+            <a:picLocks noChangeAspect="1"/>
+          </p:cNvPicPr>
+          <p:nvPr/>
+        </p:nvPicPr>
+        <p:blipFill>
+          <a:blip r:embed="rId12"/>
+          <a:stretch>
+            <a:fillRect/>
+          </a:stretch>
+        </p:blipFill>
+        <p:spPr>
+          <a:xfrm>
+            <a:off x="7460718" y="3535361"/>
+            <a:ext cx="1398079" cy="1430869"/>
+          </a:xfrm>
+          <a:prstGeom prst="rect">
+            <a:avLst/>
+          </a:prstGeom>
+        </p:spPr>
+      </p:pic>
+      <p:pic>
+        <p:nvPicPr>
+          <p:cNvPr id="26" name="Imagen 25">
+            <a:extLst>
+              <a:ext uri="{FF2B5EF4-FFF2-40B4-BE49-F238E27FC236}">
+                <a16:creationId xmlns:a16="http://schemas.microsoft.com/office/drawing/2014/main" id="{CCD69D75-E759-3145-8630-9CA7FB75419B}"/>
+              </a:ext>
+            </a:extLst>
+          </p:cNvPr>
+          <p:cNvPicPr>
+            <a:picLocks noChangeAspect="1"/>
+          </p:cNvPicPr>
+          <p:nvPr/>
+        </p:nvPicPr>
+        <p:blipFill>
+          <a:blip r:embed="rId13"/>
+          <a:stretch>
+            <a:fillRect/>
+          </a:stretch>
+        </p:blipFill>
+        <p:spPr>
+          <a:xfrm>
+            <a:off x="4362449" y="266415"/>
+            <a:ext cx="1398079" cy="1398079"/>
+          </a:xfrm>
+          <a:prstGeom prst="rect">
+            <a:avLst/>
+          </a:prstGeom>
+        </p:spPr>
+      </p:pic>
+      <p:pic>
+        <p:nvPicPr>
+          <p:cNvPr id="28" name="Imagen 27">
+            <a:extLst>
+              <a:ext uri="{FF2B5EF4-FFF2-40B4-BE49-F238E27FC236}">
+                <a16:creationId xmlns:a16="http://schemas.microsoft.com/office/drawing/2014/main" id="{60CE6DD4-E5DA-4E44-AFB9-D60A7E649843}"/>
+              </a:ext>
+            </a:extLst>
+          </p:cNvPr>
+          <p:cNvPicPr>
+            <a:picLocks noChangeAspect="1"/>
+          </p:cNvPicPr>
+          <p:nvPr/>
+        </p:nvPicPr>
+        <p:blipFill>
+          <a:blip r:embed="rId14"/>
+          <a:stretch>
+            <a:fillRect/>
+          </a:stretch>
+        </p:blipFill>
+        <p:spPr>
+          <a:xfrm>
+            <a:off x="6096000" y="190501"/>
+            <a:ext cx="2562882" cy="1557307"/>
+          </a:xfrm>
+          <a:prstGeom prst="rect">
+            <a:avLst/>
+          </a:prstGeom>
+        </p:spPr>
+      </p:pic>
+      <p:pic>
+        <p:nvPicPr>
+          <p:cNvPr id="30" name="Imagen 29">
+            <a:extLst>
+              <a:ext uri="{FF2B5EF4-FFF2-40B4-BE49-F238E27FC236}">
+                <a16:creationId xmlns:a16="http://schemas.microsoft.com/office/drawing/2014/main" id="{0435D1E5-EAC0-CC4C-A8F4-0532347F6AB5}"/>
+              </a:ext>
+            </a:extLst>
+          </p:cNvPr>
+          <p:cNvPicPr>
+            <a:picLocks noChangeAspect="1"/>
+          </p:cNvPicPr>
+          <p:nvPr/>
+        </p:nvPicPr>
+        <p:blipFill>
+          <a:blip r:embed="rId15"/>
+          <a:stretch>
+            <a:fillRect/>
+          </a:stretch>
+        </p:blipFill>
+        <p:spPr>
+          <a:xfrm>
+            <a:off x="7377441" y="2040941"/>
+            <a:ext cx="3182525" cy="1059514"/>
+          </a:xfrm>
+          <a:prstGeom prst="rect">
+            <a:avLst/>
+          </a:prstGeom>
+        </p:spPr>
+      </p:pic>
+    </p:spTree>
+    <p:extLst>
+      <p:ext uri="{BB962C8B-B14F-4D97-AF65-F5344CB8AC3E}">
+        <p14:creationId xmlns:p14="http://schemas.microsoft.com/office/powerpoint/2010/main" val="905111922"/>
+      </p:ext>
+    </p:extLst>
+  </p:cSld>
+  <p:clrMapOvr>
+    <a:masterClrMapping/>
+  </p:clrMapOvr>
+</p:sld>
+</file>
+
+<file path=ppt/slides/slide4.xml><?xml version="1.0" encoding="utf-8"?>
+<p:sld xmlns:a="http://schemas.openxmlformats.org/drawingml/2006/main" xmlns:r="http://schemas.openxmlformats.org/officeDocument/2006/relationships" xmlns:p="http://schemas.openxmlformats.org/presentationml/2006/main">
+  <p:cSld>
+    <p:bg>
+      <p:bgPr>
+        <a:solidFill>
+          <a:schemeClr val="bg1"/>
+        </a:solidFill>
+        <a:effectLst/>
+      </p:bgPr>
+    </p:bg>
+    <p:spTree>
+      <p:nvGrpSpPr>
+        <p:cNvPr id="1" name=""/>
+        <p:cNvGrpSpPr/>
+        <p:nvPr/>
+      </p:nvGrpSpPr>
+      <p:grpSpPr>
+        <a:xfrm>
+          <a:off x="0" y="0"/>
+          <a:ext cx="0" cy="0"/>
+          <a:chOff x="0" y="0"/>
+          <a:chExt cx="0" cy="0"/>
+        </a:xfrm>
+      </p:grpSpPr>
+      <p:sp>
+        <p:nvSpPr>
           <p:cNvPr id="10" name="Rectangle 9">
             <a:extLst>
               <a:ext uri="{FF2B5EF4-FFF2-40B4-BE49-F238E27FC236}">
@@ -4877,7 +5403,7 @@
         </p:spPr>
         <p:txBody>
           <a:bodyPr anchor="ctr">
-            <a:normAutofit/>
+            <a:normAutofit lnSpcReduction="10000"/>
           </a:bodyPr>
           <a:lstStyle/>
           <a:p>
@@ -4938,7 +5464,7 @@
                   <a:srgbClr val="000000"/>
                 </a:solidFill>
               </a:rPr>
-              <a:t>En Data Science para aplicaciones bioinformáticas, biológicas, mineras y de clusterización</a:t>
+              <a:t>En Data Science para aplicaciones bioinformáticas, biológicas, mineras, distribuidas  y de clusterización</a:t>
             </a:r>
           </a:p>
           <a:p>
@@ -4963,7 +5489,7 @@
 </p:sld>
 </file>
 
-<file path=ppt/slides/slide4.xml><?xml version="1.0" encoding="utf-8"?>
+<file path=ppt/slides/slide5.xml><?xml version="1.0" encoding="utf-8"?>
 <p:sld xmlns:a="http://schemas.openxmlformats.org/drawingml/2006/main" xmlns:r="http://schemas.openxmlformats.org/officeDocument/2006/relationships" xmlns:p="http://schemas.openxmlformats.org/presentationml/2006/main">
   <p:cSld>
     <p:bg>
@@ -4990,10 +5516,10 @@
       </p:grpSpPr>
       <p:sp>
         <p:nvSpPr>
-          <p:cNvPr id="7" name="Down Arrow 7">
-            <a:extLst>
-              <a:ext uri="{FF2B5EF4-FFF2-40B4-BE49-F238E27FC236}">
-                <a16:creationId xmlns:a16="http://schemas.microsoft.com/office/drawing/2014/main" id="{B547373F-AF2E-4907-B442-9F902B387FD0}"/>
+          <p:cNvPr id="10" name="Rectangle 9">
+            <a:extLst>
+              <a:ext uri="{FF2B5EF4-FFF2-40B4-BE49-F238E27FC236}">
+                <a16:creationId xmlns:a16="http://schemas.microsoft.com/office/drawing/2014/main" id="{AFA67CD3-AB4E-4A7A-BEB8-53C445D8C44E}"/>
               </a:ext>
               <a:ext uri="{C183D7F6-B498-43B3-948B-1728B52AA6E4}">
                 <adec:decorative xmlns:adec="http://schemas.microsoft.com/office/drawing/2017/decorative" val="1"/>
@@ -5013,22 +5539,39 @@
         </p:nvSpPr>
         <p:spPr>
           <a:xfrm>
-            <a:off x="800100" y="-4763"/>
-            <a:ext cx="3333749" cy="3338514"/>
-          </a:xfrm>
-          <a:prstGeom prst="downArrow">
-            <a:avLst>
-              <a:gd name="adj1" fmla="val 100000"/>
-              <a:gd name="adj2" fmla="val 26890"/>
-            </a:avLst>
+            <a:off x="1" y="3726"/>
+            <a:ext cx="5614875" cy="6858000"/>
+          </a:xfrm>
+          <a:prstGeom prst="rect">
+            <a:avLst/>
           </a:prstGeom>
-          <a:solidFill>
-            <a:schemeClr val="tx1">
-              <a:lumMod val="85000"/>
-              <a:lumOff val="15000"/>
-            </a:schemeClr>
-          </a:solidFill>
-          <a:ln w="53975">
+          <a:gradFill>
+            <a:gsLst>
+              <a:gs pos="0">
+                <a:schemeClr val="accent1">
+                  <a:lumMod val="100000"/>
+                  <a:alpha val="82000"/>
+                </a:schemeClr>
+              </a:gs>
+              <a:gs pos="25000">
+                <a:schemeClr val="accent1">
+                  <a:alpha val="60000"/>
+                </a:schemeClr>
+              </a:gs>
+              <a:gs pos="94000">
+                <a:schemeClr val="bg2">
+                  <a:lumMod val="75000"/>
+                </a:schemeClr>
+              </a:gs>
+              <a:gs pos="100000">
+                <a:schemeClr val="bg2">
+                  <a:lumMod val="75000"/>
+                </a:schemeClr>
+              </a:gs>
+            </a:gsLst>
+            <a:lin ang="4200000" scaled="0"/>
+          </a:gradFill>
+          <a:ln>
             <a:noFill/>
           </a:ln>
         </p:spPr>
@@ -5057,12 +5600,57 @@
           </a:p>
         </p:txBody>
       </p:sp>
+      <p:pic>
+        <p:nvPicPr>
+          <p:cNvPr id="12" name="Picture 11">
+            <a:extLst>
+              <a:ext uri="{FF2B5EF4-FFF2-40B4-BE49-F238E27FC236}">
+                <a16:creationId xmlns:a16="http://schemas.microsoft.com/office/drawing/2014/main" id="{07CF545F-9C2E-4446-97CD-AD92990C2B68}"/>
+              </a:ext>
+              <a:ext uri="{C183D7F6-B498-43B3-948B-1728B52AA6E4}">
+                <adec:decorative xmlns:adec="http://schemas.microsoft.com/office/drawing/2017/decorative" val="1"/>
+              </a:ext>
+            </a:extLst>
+          </p:cNvPr>
+          <p:cNvPicPr>
+            <a:picLocks noGrp="1" noRot="1" noChangeAspect="1" noMove="1" noResize="1" noEditPoints="1" noAdjustHandles="1" noChangeArrowheads="1" noChangeShapeType="1" noCrop="1"/>
+          </p:cNvPicPr>
+          <p:nvPr>
+            <p:extLst>
+              <p:ext uri="{386F3935-93C4-4BCD-93E2-E3B085C9AB24}">
+                <p16:designElem xmlns:p16="http://schemas.microsoft.com/office/powerpoint/2015/main" val="1"/>
+              </p:ext>
+            </p:extLst>
+          </p:nvPr>
+        </p:nvPicPr>
+        <p:blipFill>
+          <a:blip r:embed="rId2">
+            <a:extLst>
+              <a:ext uri="{28A0092B-C50C-407E-A947-70E740481C1C}">
+                <a14:useLocalDpi xmlns:a14="http://schemas.microsoft.com/office/drawing/2010/main" val="0"/>
+              </a:ext>
+            </a:extLst>
+          </a:blip>
+          <a:stretch>
+            <a:fillRect/>
+          </a:stretch>
+        </p:blipFill>
+        <p:spPr>
+          <a:xfrm>
+            <a:off x="0" y="0"/>
+            <a:ext cx="12192000" cy="6858000"/>
+          </a:xfrm>
+          <a:prstGeom prst="rect">
+            <a:avLst/>
+          </a:prstGeom>
+        </p:spPr>
+      </p:pic>
       <p:sp>
         <p:nvSpPr>
           <p:cNvPr id="2" name="Título 1">
             <a:extLst>
               <a:ext uri="{FF2B5EF4-FFF2-40B4-BE49-F238E27FC236}">
-                <a16:creationId xmlns:a16="http://schemas.microsoft.com/office/drawing/2014/main" id="{86966E71-3564-814F-B8D0-B64408986D59}"/>
+                <a16:creationId xmlns:a16="http://schemas.microsoft.com/office/drawing/2014/main" id="{9688DA4F-AAFA-F24A-B6A8-AA87AEEB367F}"/>
               </a:ext>
             </a:extLst>
           </p:cNvPr>
@@ -5075,35 +5663,207 @@
         </p:nvSpPr>
         <p:spPr>
           <a:xfrm>
-            <a:off x="1028700" y="190501"/>
-            <a:ext cx="2886075" cy="2486024"/>
-          </a:xfrm>
-          <a:noFill/>
-        </p:spPr>
-        <p:txBody>
-          <a:bodyPr vert="horz" lIns="91440" tIns="45720" rIns="91440" bIns="45720" rtlCol="0" anchor="ctr">
+            <a:off x="6094105" y="802955"/>
+            <a:ext cx="4977976" cy="1454051"/>
+          </a:xfrm>
+        </p:spPr>
+        <p:txBody>
+          <a:bodyPr>
             <a:normAutofit/>
           </a:bodyPr>
           <a:lstStyle/>
           <a:p>
-            <a:pPr algn="ctr"/>
-            <a:r>
-              <a:rPr lang="en-US" sz="3600">
+            <a:r>
+              <a:rPr lang="es-MX" dirty="0">
                 <a:solidFill>
-                  <a:schemeClr val="bg1"/>
+                  <a:srgbClr val="000000"/>
                 </a:solidFill>
               </a:rPr>
-              <a:t>¿Quién lo usa?</a:t>
-            </a:r>
+              <a:t>¿Por qué aprender?</a:t>
+            </a:r>
+          </a:p>
+        </p:txBody>
+      </p:sp>
+      <p:sp>
+        <p:nvSpPr>
+          <p:cNvPr id="14" name="Freeform 62">
+            <a:extLst>
+              <a:ext uri="{FF2B5EF4-FFF2-40B4-BE49-F238E27FC236}">
+                <a16:creationId xmlns:a16="http://schemas.microsoft.com/office/drawing/2014/main" id="{339C8D78-A644-462F-B674-F440635E5353}"/>
+              </a:ext>
+              <a:ext uri="{C183D7F6-B498-43B3-948B-1728B52AA6E4}">
+                <adec:decorative xmlns:adec="http://schemas.microsoft.com/office/drawing/2017/decorative" val="1"/>
+              </a:ext>
+            </a:extLst>
+          </p:cNvPr>
+          <p:cNvSpPr>
+            <a:spLocks noGrp="1" noRot="1" noChangeAspect="1" noMove="1" noResize="1" noEditPoints="1" noAdjustHandles="1" noChangeArrowheads="1" noChangeShapeType="1" noTextEdit="1"/>
+          </p:cNvSpPr>
+          <p:nvPr>
+            <p:extLst>
+              <p:ext uri="{386F3935-93C4-4BCD-93E2-E3B085C9AB24}">
+                <p16:designElem xmlns:p16="http://schemas.microsoft.com/office/powerpoint/2015/main" val="1"/>
+              </p:ext>
+            </p:extLst>
+          </p:nvPr>
+        </p:nvSpPr>
+        <p:spPr>
+          <a:xfrm>
+            <a:off x="0" y="738619"/>
+            <a:ext cx="5000438" cy="5400962"/>
+          </a:xfrm>
+          <a:custGeom>
+            <a:avLst/>
+            <a:gdLst>
+              <a:gd name="connsiteX0" fmla="*/ 2299956 w 5000438"/>
+              <a:gd name="connsiteY0" fmla="*/ 0 h 5400962"/>
+              <a:gd name="connsiteX1" fmla="*/ 5000438 w 5000438"/>
+              <a:gd name="connsiteY1" fmla="*/ 2700481 h 5400962"/>
+              <a:gd name="connsiteX2" fmla="*/ 2299956 w 5000438"/>
+              <a:gd name="connsiteY2" fmla="*/ 5400962 h 5400962"/>
+              <a:gd name="connsiteX3" fmla="*/ 60675 w 5000438"/>
+              <a:gd name="connsiteY3" fmla="*/ 4210346 h 5400962"/>
+              <a:gd name="connsiteX4" fmla="*/ 0 w 5000438"/>
+              <a:gd name="connsiteY4" fmla="*/ 4110472 h 5400962"/>
+              <a:gd name="connsiteX5" fmla="*/ 0 w 5000438"/>
+              <a:gd name="connsiteY5" fmla="*/ 1290491 h 5400962"/>
+              <a:gd name="connsiteX6" fmla="*/ 60675 w 5000438"/>
+              <a:gd name="connsiteY6" fmla="*/ 1190617 h 5400962"/>
+              <a:gd name="connsiteX7" fmla="*/ 2299956 w 5000438"/>
+              <a:gd name="connsiteY7" fmla="*/ 0 h 5400962"/>
+            </a:gdLst>
+            <a:ahLst/>
+            <a:cxnLst>
+              <a:cxn ang="0">
+                <a:pos x="connsiteX0" y="connsiteY0"/>
+              </a:cxn>
+              <a:cxn ang="0">
+                <a:pos x="connsiteX1" y="connsiteY1"/>
+              </a:cxn>
+              <a:cxn ang="0">
+                <a:pos x="connsiteX2" y="connsiteY2"/>
+              </a:cxn>
+              <a:cxn ang="0">
+                <a:pos x="connsiteX3" y="connsiteY3"/>
+              </a:cxn>
+              <a:cxn ang="0">
+                <a:pos x="connsiteX4" y="connsiteY4"/>
+              </a:cxn>
+              <a:cxn ang="0">
+                <a:pos x="connsiteX5" y="connsiteY5"/>
+              </a:cxn>
+              <a:cxn ang="0">
+                <a:pos x="connsiteX6" y="connsiteY6"/>
+              </a:cxn>
+              <a:cxn ang="0">
+                <a:pos x="connsiteX7" y="connsiteY7"/>
+              </a:cxn>
+            </a:cxnLst>
+            <a:rect l="l" t="t" r="r" b="b"/>
+            <a:pathLst>
+              <a:path w="5000438" h="5400962">
+                <a:moveTo>
+                  <a:pt x="2299956" y="0"/>
+                </a:moveTo>
+                <a:cubicBezTo>
+                  <a:pt x="3791390" y="0"/>
+                  <a:pt x="5000438" y="1209047"/>
+                  <a:pt x="5000438" y="2700481"/>
+                </a:cubicBezTo>
+                <a:cubicBezTo>
+                  <a:pt x="5000438" y="4191915"/>
+                  <a:pt x="3791390" y="5400962"/>
+                  <a:pt x="2299956" y="5400962"/>
+                </a:cubicBezTo>
+                <a:cubicBezTo>
+                  <a:pt x="1367810" y="5400962"/>
+                  <a:pt x="545971" y="4928678"/>
+                  <a:pt x="60675" y="4210346"/>
+                </a:cubicBezTo>
+                <a:lnTo>
+                  <a:pt x="0" y="4110472"/>
+                </a:lnTo>
+                <a:lnTo>
+                  <a:pt x="0" y="1290491"/>
+                </a:lnTo>
+                <a:lnTo>
+                  <a:pt x="60675" y="1190617"/>
+                </a:lnTo>
+                <a:cubicBezTo>
+                  <a:pt x="545971" y="472284"/>
+                  <a:pt x="1367810" y="0"/>
+                  <a:pt x="2299956" y="0"/>
+                </a:cubicBezTo>
+                <a:close/>
+              </a:path>
+            </a:pathLst>
+          </a:custGeom>
+          <a:solidFill>
+            <a:srgbClr val="FFFFFF"/>
+          </a:solidFill>
+          <a:ln>
+            <a:gradFill>
+              <a:gsLst>
+                <a:gs pos="0">
+                  <a:schemeClr val="accent1">
+                    <a:lumMod val="40000"/>
+                    <a:lumOff val="60000"/>
+                  </a:schemeClr>
+                </a:gs>
+                <a:gs pos="23000">
+                  <a:schemeClr val="accent1">
+                    <a:lumMod val="45000"/>
+                    <a:lumOff val="55000"/>
+                  </a:schemeClr>
+                </a:gs>
+                <a:gs pos="83000">
+                  <a:schemeClr val="bg2">
+                    <a:lumMod val="85000"/>
+                  </a:schemeClr>
+                </a:gs>
+                <a:gs pos="100000">
+                  <a:schemeClr val="bg2">
+                    <a:lumMod val="85000"/>
+                  </a:schemeClr>
+                </a:gs>
+              </a:gsLst>
+              <a:lin ang="5400000" scaled="1"/>
+            </a:gradFill>
+          </a:ln>
+        </p:spPr>
+        <p:style>
+          <a:lnRef idx="2">
+            <a:schemeClr val="accent1">
+              <a:shade val="50000"/>
+            </a:schemeClr>
+          </a:lnRef>
+          <a:fillRef idx="1">
+            <a:schemeClr val="accent1"/>
+          </a:fillRef>
+          <a:effectRef idx="0">
+            <a:schemeClr val="accent1"/>
+          </a:effectRef>
+          <a:fontRef idx="minor">
+            <a:schemeClr val="lt1"/>
+          </a:fontRef>
+        </p:style>
+        <p:txBody>
+          <a:bodyPr wrap="square" rtlCol="0" anchor="ctr">
+            <a:noAutofit/>
+          </a:bodyPr>
+          <a:lstStyle/>
+          <a:p>
+            <a:pPr algn="ctr"/>
+            <a:endParaRPr lang="en-US"/>
           </a:p>
         </p:txBody>
       </p:sp>
       <p:pic>
         <p:nvPicPr>
-          <p:cNvPr id="5" name="Imagen 4">
-            <a:extLst>
-              <a:ext uri="{FF2B5EF4-FFF2-40B4-BE49-F238E27FC236}">
-                <a16:creationId xmlns:a16="http://schemas.microsoft.com/office/drawing/2014/main" id="{98A8E941-EDC2-6142-AE70-6A93197DC73D}"/>
+          <p:cNvPr id="5" name="Gráfico 4">
+            <a:extLst>
+              <a:ext uri="{FF2B5EF4-FFF2-40B4-BE49-F238E27FC236}">
+                <a16:creationId xmlns:a16="http://schemas.microsoft.com/office/drawing/2014/main" id="{3DDBDF17-FF16-F542-AAD1-C6A0F395216B}"/>
               </a:ext>
             </a:extLst>
           </p:cNvPr>
@@ -5111,6 +5871,168 @@
             <a:picLocks noChangeAspect="1"/>
           </p:cNvPicPr>
           <p:nvPr/>
+        </p:nvPicPr>
+        <p:blipFill>
+          <a:blip r:embed="rId3">
+            <a:extLst>
+              <a:ext uri="{96DAC541-7B7A-43D3-8B79-37D633B846F1}">
+                <asvg:svgBlip xmlns:asvg="http://schemas.microsoft.com/office/drawing/2016/SVG/main" r:embed="rId4"/>
+              </a:ext>
+            </a:extLst>
+          </a:blip>
+          <a:stretch>
+            <a:fillRect/>
+          </a:stretch>
+        </p:blipFill>
+        <p:spPr>
+          <a:xfrm>
+            <a:off x="450254" y="1629089"/>
+            <a:ext cx="3620021" cy="3620021"/>
+          </a:xfrm>
+          <a:prstGeom prst="rect">
+            <a:avLst/>
+          </a:prstGeom>
+        </p:spPr>
+      </p:pic>
+      <p:sp>
+        <p:nvSpPr>
+          <p:cNvPr id="3" name="Marcador de contenido 2">
+            <a:extLst>
+              <a:ext uri="{FF2B5EF4-FFF2-40B4-BE49-F238E27FC236}">
+                <a16:creationId xmlns:a16="http://schemas.microsoft.com/office/drawing/2014/main" id="{34600729-2BF8-1748-8DBA-8696D0664D88}"/>
+              </a:ext>
+            </a:extLst>
+          </p:cNvPr>
+          <p:cNvSpPr>
+            <a:spLocks noGrp="1"/>
+          </p:cNvSpPr>
+          <p:nvPr>
+            <p:ph idx="1"/>
+          </p:nvPr>
+        </p:nvSpPr>
+        <p:spPr>
+          <a:xfrm>
+            <a:off x="6090573" y="2421682"/>
+            <a:ext cx="5614875" cy="3639289"/>
+          </a:xfrm>
+        </p:spPr>
+        <p:txBody>
+          <a:bodyPr anchor="ctr">
+            <a:normAutofit/>
+          </a:bodyPr>
+          <a:lstStyle/>
+          <a:p>
+            <a:r>
+              <a:rPr lang="es-MX" sz="2000" dirty="0">
+                <a:solidFill>
+                  <a:srgbClr val="000000"/>
+                </a:solidFill>
+              </a:rPr>
+              <a:t>Es dinamico</a:t>
+            </a:r>
+          </a:p>
+          <a:p>
+            <a:r>
+              <a:rPr lang="es-MX" sz="2000" dirty="0">
+                <a:solidFill>
+                  <a:srgbClr val="000000"/>
+                </a:solidFill>
+              </a:rPr>
+              <a:t>Es rapido</a:t>
+            </a:r>
+          </a:p>
+          <a:p>
+            <a:r>
+              <a:rPr lang="es-MX" sz="2000" dirty="0">
+                <a:solidFill>
+                  <a:srgbClr val="000000"/>
+                </a:solidFill>
+              </a:rPr>
+              <a:t>Facil de aprender</a:t>
+            </a:r>
+          </a:p>
+          <a:p>
+            <a:endParaRPr lang="es-MX" sz="2000" dirty="0">
+              <a:solidFill>
+                <a:srgbClr val="000000"/>
+              </a:solidFill>
+            </a:endParaRPr>
+          </a:p>
+        </p:txBody>
+      </p:sp>
+    </p:spTree>
+    <p:extLst>
+      <p:ext uri="{BB962C8B-B14F-4D97-AF65-F5344CB8AC3E}">
+        <p14:creationId xmlns:p14="http://schemas.microsoft.com/office/powerpoint/2010/main" val="3137018605"/>
+      </p:ext>
+    </p:extLst>
+  </p:cSld>
+  <p:clrMapOvr>
+    <a:masterClrMapping/>
+  </p:clrMapOvr>
+</p:sld>
+</file>
+
+<file path=ppt/slides/slide6.xml><?xml version="1.0" encoding="utf-8"?>
+<p:sld xmlns:a="http://schemas.openxmlformats.org/drawingml/2006/main" xmlns:r="http://schemas.openxmlformats.org/officeDocument/2006/relationships" xmlns:p="http://schemas.openxmlformats.org/presentationml/2006/main">
+  <p:cSld>
+    <p:spTree>
+      <p:nvGrpSpPr>
+        <p:cNvPr id="1" name=""/>
+        <p:cNvGrpSpPr/>
+        <p:nvPr/>
+      </p:nvGrpSpPr>
+      <p:grpSpPr>
+        <a:xfrm>
+          <a:off x="0" y="0"/>
+          <a:ext cx="0" cy="0"/>
+          <a:chOff x="0" y="0"/>
+          <a:chExt cx="0" cy="0"/>
+        </a:xfrm>
+      </p:grpSpPr>
+      <p:sp>
+        <p:nvSpPr>
+          <p:cNvPr id="2" name="Título 1">
+            <a:extLst>
+              <a:ext uri="{FF2B5EF4-FFF2-40B4-BE49-F238E27FC236}">
+                <a16:creationId xmlns:a16="http://schemas.microsoft.com/office/drawing/2014/main" id="{7C340D6E-8FCD-AB49-894D-58746B664174}"/>
+              </a:ext>
+            </a:extLst>
+          </p:cNvPr>
+          <p:cNvSpPr>
+            <a:spLocks noGrp="1"/>
+          </p:cNvSpPr>
+          <p:nvPr>
+            <p:ph type="title"/>
+          </p:nvPr>
+        </p:nvSpPr>
+        <p:spPr/>
+        <p:txBody>
+          <a:bodyPr/>
+          <a:lstStyle/>
+          <a:p>
+            <a:r>
+              <a:rPr lang="es-MX" dirty="0"/>
+              <a:t>Index Tiobe 2020</a:t>
+            </a:r>
+          </a:p>
+        </p:txBody>
+      </p:sp>
+      <p:pic>
+        <p:nvPicPr>
+          <p:cNvPr id="5" name="Marcador de contenido 4">
+            <a:extLst>
+              <a:ext uri="{FF2B5EF4-FFF2-40B4-BE49-F238E27FC236}">
+                <a16:creationId xmlns:a16="http://schemas.microsoft.com/office/drawing/2014/main" id="{6C2D25BC-978F-CC4B-B397-1E9EEB93C3F2}"/>
+              </a:ext>
+            </a:extLst>
+          </p:cNvPr>
+          <p:cNvPicPr>
+            <a:picLocks noGrp="1" noChangeAspect="1"/>
+          </p:cNvPicPr>
+          <p:nvPr>
+            <p:ph idx="1"/>
+          </p:nvPr>
         </p:nvPicPr>
         <p:blipFill>
           <a:blip r:embed="rId2"/>
@@ -5120,18 +6042,15 @@
         </p:blipFill>
         <p:spPr>
           <a:xfrm>
-            <a:off x="1597024" y="3725334"/>
-            <a:ext cx="1742378" cy="1270000"/>
-          </a:xfrm>
-          <a:prstGeom prst="rect">
-            <a:avLst/>
-          </a:prstGeom>
+            <a:off x="955449" y="1825625"/>
+            <a:ext cx="10281102" cy="4351338"/>
+          </a:xfrm>
         </p:spPr>
       </p:pic>
     </p:spTree>
     <p:extLst>
       <p:ext uri="{BB962C8B-B14F-4D97-AF65-F5344CB8AC3E}">
-        <p14:creationId xmlns:p14="http://schemas.microsoft.com/office/powerpoint/2010/main" val="905111922"/>
+        <p14:creationId xmlns:p14="http://schemas.microsoft.com/office/powerpoint/2010/main" val="1506124125"/>
       </p:ext>
     </p:extLst>
   </p:cSld>
